--- a/GSA.pptx
+++ b/GSA.pptx
@@ -1,13 +1,17 @@
 
 <file path=ppt/presentation.xml><?xml version="1.0" encoding="utf-8"?>
-<p:presentation xmlns:a="http://schemas.openxmlformats.org/drawingml/2006/main" xmlns:r="http://schemas.openxmlformats.org/officeDocument/2006/relationships" xmlns:p="http://schemas.openxmlformats.org/presentationml/2006/main" saveSubsetFonts="1">
+<p:presentation xmlns:a="http://schemas.openxmlformats.org/drawingml/2006/main" xmlns:p="http://schemas.openxmlformats.org/presentationml/2006/main" xmlns:r="http://schemas.openxmlformats.org/officeDocument/2006/relationships" saveSubsetFonts="1">
   <p:sldMasterIdLst>
     <p:sldMasterId id="2147483648" r:id="rId1"/>
   </p:sldMasterIdLst>
   <p:sldIdLst>
-    <p:sldId id="257" r:id="rId2"/>
-    <p:sldId id="258" r:id="rId3"/>
-    <p:sldId id="259" r:id="rId4"/>
+    <p:sldId id="256" r:id="rId6"/>
+    <p:sldId id="257" r:id="rId7"/>
+    <p:sldId id="258" r:id="rId8"/>
+    <p:sldId id="259" r:id="rId9"/>
+    <p:sldId id="260" r:id="rId10"/>
+    <p:sldId id="261" r:id="rId11"/>
+    <p:sldId id="262" r:id="rId12"/>
   </p:sldIdLst>
   <p:sldSz cx="12192000" cy="6858000"/>
   <p:notesSz cx="6858000" cy="9144000"/>
@@ -15,8 +19,8 @@
     <a:defPPr>
       <a:defRPr lang="en-US"/>
     </a:defPPr>
-    <a:lvl1pPr marL="0" algn="l" defTabSz="914400" rtl="0" eaLnBrk="1" latinLnBrk="0" hangingPunct="1">
-      <a:defRPr sz="1800" kern="1200">
+    <a:lvl1pPr algn="l" defTabSz="914400" eaLnBrk="1" hangingPunct="1" latinLnBrk="0" marL="0" rtl="0">
+      <a:defRPr kern="1200" sz="1800">
         <a:solidFill>
           <a:schemeClr val="tx1"/>
         </a:solidFill>
@@ -25,8 +29,8 @@
         <a:cs typeface="+mn-cs"/>
       </a:defRPr>
     </a:lvl1pPr>
-    <a:lvl2pPr marL="457200" algn="l" defTabSz="914400" rtl="0" eaLnBrk="1" latinLnBrk="0" hangingPunct="1">
-      <a:defRPr sz="1800" kern="1200">
+    <a:lvl2pPr algn="l" defTabSz="914400" eaLnBrk="1" hangingPunct="1" latinLnBrk="0" marL="457200" rtl="0">
+      <a:defRPr kern="1200" sz="1800">
         <a:solidFill>
           <a:schemeClr val="tx1"/>
         </a:solidFill>
@@ -35,8 +39,8 @@
         <a:cs typeface="+mn-cs"/>
       </a:defRPr>
     </a:lvl2pPr>
-    <a:lvl3pPr marL="914400" algn="l" defTabSz="914400" rtl="0" eaLnBrk="1" latinLnBrk="0" hangingPunct="1">
-      <a:defRPr sz="1800" kern="1200">
+    <a:lvl3pPr algn="l" defTabSz="914400" eaLnBrk="1" hangingPunct="1" latinLnBrk="0" marL="914400" rtl="0">
+      <a:defRPr kern="1200" sz="1800">
         <a:solidFill>
           <a:schemeClr val="tx1"/>
         </a:solidFill>
@@ -45,8 +49,8 @@
         <a:cs typeface="+mn-cs"/>
       </a:defRPr>
     </a:lvl3pPr>
-    <a:lvl4pPr marL="1371600" algn="l" defTabSz="914400" rtl="0" eaLnBrk="1" latinLnBrk="0" hangingPunct="1">
-      <a:defRPr sz="1800" kern="1200">
+    <a:lvl4pPr algn="l" defTabSz="914400" eaLnBrk="1" hangingPunct="1" latinLnBrk="0" marL="1371600" rtl="0">
+      <a:defRPr kern="1200" sz="1800">
         <a:solidFill>
           <a:schemeClr val="tx1"/>
         </a:solidFill>
@@ -55,8 +59,8 @@
         <a:cs typeface="+mn-cs"/>
       </a:defRPr>
     </a:lvl4pPr>
-    <a:lvl5pPr marL="1828800" algn="l" defTabSz="914400" rtl="0" eaLnBrk="1" latinLnBrk="0" hangingPunct="1">
-      <a:defRPr sz="1800" kern="1200">
+    <a:lvl5pPr algn="l" defTabSz="914400" eaLnBrk="1" hangingPunct="1" latinLnBrk="0" marL="1828800" rtl="0">
+      <a:defRPr kern="1200" sz="1800">
         <a:solidFill>
           <a:schemeClr val="tx1"/>
         </a:solidFill>
@@ -65,8 +69,8 @@
         <a:cs typeface="+mn-cs"/>
       </a:defRPr>
     </a:lvl5pPr>
-    <a:lvl6pPr marL="2286000" algn="l" defTabSz="914400" rtl="0" eaLnBrk="1" latinLnBrk="0" hangingPunct="1">
-      <a:defRPr sz="1800" kern="1200">
+    <a:lvl6pPr algn="l" defTabSz="914400" eaLnBrk="1" hangingPunct="1" latinLnBrk="0" marL="2286000" rtl="0">
+      <a:defRPr kern="1200" sz="1800">
         <a:solidFill>
           <a:schemeClr val="tx1"/>
         </a:solidFill>
@@ -75,8 +79,8 @@
         <a:cs typeface="+mn-cs"/>
       </a:defRPr>
     </a:lvl6pPr>
-    <a:lvl7pPr marL="2743200" algn="l" defTabSz="914400" rtl="0" eaLnBrk="1" latinLnBrk="0" hangingPunct="1">
-      <a:defRPr sz="1800" kern="1200">
+    <a:lvl7pPr algn="l" defTabSz="914400" eaLnBrk="1" hangingPunct="1" latinLnBrk="0" marL="2743200" rtl="0">
+      <a:defRPr kern="1200" sz="1800">
         <a:solidFill>
           <a:schemeClr val="tx1"/>
         </a:solidFill>
@@ -85,8 +89,8 @@
         <a:cs typeface="+mn-cs"/>
       </a:defRPr>
     </a:lvl7pPr>
-    <a:lvl8pPr marL="3200400" algn="l" defTabSz="914400" rtl="0" eaLnBrk="1" latinLnBrk="0" hangingPunct="1">
-      <a:defRPr sz="1800" kern="1200">
+    <a:lvl8pPr algn="l" defTabSz="914400" eaLnBrk="1" hangingPunct="1" latinLnBrk="0" marL="3200400" rtl="0">
+      <a:defRPr kern="1200" sz="1800">
         <a:solidFill>
           <a:schemeClr val="tx1"/>
         </a:solidFill>
@@ -95,8 +99,8 @@
         <a:cs typeface="+mn-cs"/>
       </a:defRPr>
     </a:lvl8pPr>
-    <a:lvl9pPr marL="3657600" algn="l" defTabSz="914400" rtl="0" eaLnBrk="1" latinLnBrk="0" hangingPunct="1">
-      <a:defRPr sz="1800" kern="1200">
+    <a:lvl9pPr algn="l" defTabSz="914400" eaLnBrk="1" hangingPunct="1" latinLnBrk="0" marL="3657600" rtl="0">
+      <a:defRPr kern="1200" sz="1800">
         <a:solidFill>
           <a:schemeClr val="tx1"/>
         </a:solidFill>
@@ -106,11 +110,6 @@
       </a:defRPr>
     </a:lvl9pPr>
   </p:defaultTextStyle>
-  <p:extLst>
-    <p:ext uri="{EFAFB233-063F-42B5-8137-9DF3F51BA10A}">
-      <p15:sldGuideLst xmlns:p15="http://schemas.microsoft.com/office/powerpoint/2012/main"/>
-    </p:ext>
-  </p:extLst>
 </p:presentation>
 </file>
 
@@ -261,7 +260,7 @@
           <a:p>
             <a:fld id="{EED1C14C-A143-42F5-B247-D0E800131009}" type="datetimeFigureOut">
               <a:rPr lang="en-US" smtClean="0"/>
-              <a:t>10/29/2024</a:t>
+              <a:t>8/15/2018</a:t>
             </a:fld>
             <a:endParaRPr lang="en-US"/>
           </a:p>
@@ -459,7 +458,7 @@
           <a:p>
             <a:fld id="{EED1C14C-A143-42F5-B247-D0E800131009}" type="datetimeFigureOut">
               <a:rPr lang="en-US" smtClean="0"/>
-              <a:t>10/29/2024</a:t>
+              <a:t>8/15/2018</a:t>
             </a:fld>
             <a:endParaRPr lang="en-US"/>
           </a:p>
@@ -667,7 +666,7 @@
           <a:p>
             <a:fld id="{EED1C14C-A143-42F5-B247-D0E800131009}" type="datetimeFigureOut">
               <a:rPr lang="en-US" smtClean="0"/>
-              <a:t>10/29/2024</a:t>
+              <a:t>8/15/2018</a:t>
             </a:fld>
             <a:endParaRPr lang="en-US"/>
           </a:p>
@@ -865,7 +864,7 @@
           <a:p>
             <a:fld id="{EED1C14C-A143-42F5-B247-D0E800131009}" type="datetimeFigureOut">
               <a:rPr lang="en-US" smtClean="0"/>
-              <a:t>10/29/2024</a:t>
+              <a:t>8/15/2018</a:t>
             </a:fld>
             <a:endParaRPr lang="en-US"/>
           </a:p>
@@ -1140,7 +1139,7 @@
           <a:p>
             <a:fld id="{EED1C14C-A143-42F5-B247-D0E800131009}" type="datetimeFigureOut">
               <a:rPr lang="en-US" smtClean="0"/>
-              <a:t>10/29/2024</a:t>
+              <a:t>8/15/2018</a:t>
             </a:fld>
             <a:endParaRPr lang="en-US"/>
           </a:p>
@@ -1405,7 +1404,7 @@
           <a:p>
             <a:fld id="{EED1C14C-A143-42F5-B247-D0E800131009}" type="datetimeFigureOut">
               <a:rPr lang="en-US" smtClean="0"/>
-              <a:t>10/29/2024</a:t>
+              <a:t>8/15/2018</a:t>
             </a:fld>
             <a:endParaRPr lang="en-US"/>
           </a:p>
@@ -1817,7 +1816,7 @@
           <a:p>
             <a:fld id="{EED1C14C-A143-42F5-B247-D0E800131009}" type="datetimeFigureOut">
               <a:rPr lang="en-US" smtClean="0"/>
-              <a:t>10/29/2024</a:t>
+              <a:t>8/15/2018</a:t>
             </a:fld>
             <a:endParaRPr lang="en-US"/>
           </a:p>
@@ -1958,7 +1957,7 @@
           <a:p>
             <a:fld id="{EED1C14C-A143-42F5-B247-D0E800131009}" type="datetimeFigureOut">
               <a:rPr lang="en-US" smtClean="0"/>
-              <a:t>10/29/2024</a:t>
+              <a:t>8/15/2018</a:t>
             </a:fld>
             <a:endParaRPr lang="en-US"/>
           </a:p>
@@ -2071,7 +2070,7 @@
           <a:p>
             <a:fld id="{EED1C14C-A143-42F5-B247-D0E800131009}" type="datetimeFigureOut">
               <a:rPr lang="en-US" smtClean="0"/>
-              <a:t>10/29/2024</a:t>
+              <a:t>8/15/2018</a:t>
             </a:fld>
             <a:endParaRPr lang="en-US"/>
           </a:p>
@@ -2382,7 +2381,7 @@
           <a:p>
             <a:fld id="{EED1C14C-A143-42F5-B247-D0E800131009}" type="datetimeFigureOut">
               <a:rPr lang="en-US" smtClean="0"/>
-              <a:t>10/29/2024</a:t>
+              <a:t>8/15/2018</a:t>
             </a:fld>
             <a:endParaRPr lang="en-US"/>
           </a:p>
@@ -2670,7 +2669,7 @@
           <a:p>
             <a:fld id="{EED1C14C-A143-42F5-B247-D0E800131009}" type="datetimeFigureOut">
               <a:rPr lang="en-US" smtClean="0"/>
-              <a:t>10/29/2024</a:t>
+              <a:t>8/15/2018</a:t>
             </a:fld>
             <a:endParaRPr lang="en-US"/>
           </a:p>
@@ -2911,7 +2910,7 @@
           <a:p>
             <a:fld id="{EED1C14C-A143-42F5-B247-D0E800131009}" type="datetimeFigureOut">
               <a:rPr lang="en-US" smtClean="0"/>
-              <a:t>10/29/2024</a:t>
+              <a:t>8/15/2018</a:t>
             </a:fld>
             <a:endParaRPr lang="en-US"/>
           </a:p>
@@ -3312,7 +3311,93 @@
 </file>
 
 <file path=ppt/slides/slide1.xml><?xml version="1.0" encoding="utf-8"?>
-<p:sld xmlns:a="http://schemas.openxmlformats.org/drawingml/2006/main" xmlns:r="http://schemas.openxmlformats.org/officeDocument/2006/relationships" xmlns:p="http://schemas.openxmlformats.org/presentationml/2006/main">
+<p:sld xmlns:a="http://schemas.openxmlformats.org/drawingml/2006/main" xmlns:p="http://schemas.openxmlformats.org/presentationml/2006/main" xmlns:r="http://schemas.openxmlformats.org/officeDocument/2006/relationships">
+  <p:cSld>
+    <p:spTree>
+      <p:nvGrpSpPr>
+        <p:cNvPr id="1" name=""/>
+        <p:cNvGrpSpPr/>
+        <p:nvPr/>
+      </p:nvGrpSpPr>
+      <p:grpSpPr>
+        <a:xfrm>
+          <a:off x="0" y="0"/>
+          <a:ext cx="0" cy="0"/>
+          <a:chOff x="0" y="0"/>
+          <a:chExt cx="0" cy="0"/>
+        </a:xfrm>
+      </p:grpSpPr>
+      <p:sp>
+        <p:nvSpPr>
+          <p:cNvPr id="0" name="slide1">
+            <a:extLst>
+              <a:ext uri="{FF2B5EF4-FFF2-40B4-BE49-F238E27FC236}">
+                <a16:creationId xmlns:a16="http://schemas.microsoft.com/office/drawing/2014/main" id="{A82E1DF5-1D7B-4A5B-88FD-03F48F349E87}"/>
+              </a:ext>
+            </a:extLst>
+          </p:cNvPr>
+          <p:cNvSpPr>
+            <a:spLocks noGrp="1"/>
+          </p:cNvSpPr>
+          <p:nvPr>
+            <p:ph idx="0" type="ctrTitle"/>
+          </p:nvPr>
+        </p:nvSpPr>
+        <p:spPr/>
+        <p:txBody>
+          <a:bodyPr/>
+          <a:lstStyle/>
+          <a:p>
+            <a:r>
+              <a:rPr/>
+              <a:t>GSA</a:t>
+            </a:r>
+          </a:p>
+        </p:txBody>
+      </p:sp>
+      <p:sp>
+        <p:nvSpPr>
+          <p:cNvPr id="1" name="slide1">
+            <a:extLst>
+              <a:ext uri="{FF2B5EF4-FFF2-40B4-BE49-F238E27FC236}">
+                <a16:creationId xmlns:a16="http://schemas.microsoft.com/office/drawing/2014/main" id="{82309236-5A18-4FCD-A120-A6A8AD90CF05}"/>
+              </a:ext>
+            </a:extLst>
+          </p:cNvPr>
+          <p:cNvSpPr>
+            <a:spLocks noGrp="1"/>
+          </p:cNvSpPr>
+          <p:nvPr>
+            <p:ph idx="1" type="subTitle"/>
+          </p:nvPr>
+        </p:nvSpPr>
+        <p:spPr/>
+        <p:txBody>
+          <a:bodyPr/>
+          <a:lstStyle/>
+          <a:p>
+            <a:r>
+              <a:rPr/>
+              <a:t>文件创建于: 2024/11/8 15:50:05</a:t>
+            </a:r>
+          </a:p>
+        </p:txBody>
+      </p:sp>
+    </p:spTree>
+    <p:extLst>
+      <p:ext uri="{BB962C8B-B14F-4D97-AF65-F5344CB8AC3E}">
+        <p14:creationId xmlns:p14="http://schemas.microsoft.com/office/powerpoint/2010/main" val="95992585"/>
+      </p:ext>
+    </p:extLst>
+  </p:cSld>
+  <p:clrMapOvr>
+    <a:masterClrMapping/>
+  </p:clrMapOvr>
+</p:sld>
+</file>
+
+<file path=ppt/slides/slide2.xml><?xml version="1.0" encoding="utf-8"?>
+<p:sld xmlns:a="http://schemas.openxmlformats.org/drawingml/2006/main" xmlns:p="http://schemas.openxmlformats.org/presentationml/2006/main" xmlns:r="http://schemas.openxmlformats.org/officeDocument/2006/relationships">
   <p:cSld>
     <p:spTree>
       <p:nvGrpSpPr>
@@ -3330,10 +3415,10 @@
       </p:grpSpPr>
       <p:pic>
         <p:nvPicPr>
-          <p:cNvPr id="2" name="slide2" descr="Sales (Group By Platform)">
-            <a:extLst>
-              <a:ext uri="{FF2B5EF4-FFF2-40B4-BE49-F238E27FC236}">
-                <a16:creationId xmlns:a16="http://schemas.microsoft.com/office/drawing/2014/main" id="{CE1A2480-CD7F-4258-8A42-F1EE478E4684}"/>
+          <p:cNvPr descr="Sales (Group By Platform)" id="2" name="slide2">
+            <a:extLst>
+              <a:ext uri="{FF2B5EF4-FFF2-40B4-BE49-F238E27FC236}">
+                <a16:creationId xmlns:a16="http://schemas.microsoft.com/office/drawing/2014/main" id="{6C9498D3-08BC-499C-BA16-C87E74ECFA52}"/>
               </a:ext>
             </a:extLst>
           </p:cNvPr>
@@ -3343,7 +3428,7 @@
           <p:nvPr/>
         </p:nvPicPr>
         <p:blipFill>
-          <a:blip r:embed="rId2">
+          <a:blip r:embed="rId7">
             <a:extLst>
               <a:ext uri="{28A0092B-C50C-407E-A947-70E740481C1C}">
                 <a14:useLocalDpi xmlns:a14="http://schemas.microsoft.com/office/drawing/2010/main" val="0"/>
@@ -3377,8 +3462,8 @@
 </p:sld>
 </file>
 
-<file path=ppt/slides/slide2.xml><?xml version="1.0" encoding="utf-8"?>
-<p:sld xmlns:a="http://schemas.openxmlformats.org/drawingml/2006/main" xmlns:r="http://schemas.openxmlformats.org/officeDocument/2006/relationships" xmlns:p="http://schemas.openxmlformats.org/presentationml/2006/main">
+<file path=ppt/slides/slide3.xml><?xml version="1.0" encoding="utf-8"?>
+<p:sld xmlns:a="http://schemas.openxmlformats.org/drawingml/2006/main" xmlns:p="http://schemas.openxmlformats.org/presentationml/2006/main" xmlns:r="http://schemas.openxmlformats.org/officeDocument/2006/relationships">
   <p:cSld>
     <p:spTree>
       <p:nvGrpSpPr>
@@ -3396,10 +3481,10 @@
       </p:grpSpPr>
       <p:pic>
         <p:nvPicPr>
-          <p:cNvPr id="3" name="slide3" descr="Sales (Group By Genre)">
-            <a:extLst>
-              <a:ext uri="{FF2B5EF4-FFF2-40B4-BE49-F238E27FC236}">
-                <a16:creationId xmlns:a16="http://schemas.microsoft.com/office/drawing/2014/main" id="{59ADD9A8-A117-4BCE-B359-512F0292D7B4}"/>
+          <p:cNvPr descr="Sales (Group By Genre)" id="3" name="slide3">
+            <a:extLst>
+              <a:ext uri="{FF2B5EF4-FFF2-40B4-BE49-F238E27FC236}">
+                <a16:creationId xmlns:a16="http://schemas.microsoft.com/office/drawing/2014/main" id="{0003C18B-B28D-4C91-A521-2C11D9B0507B}"/>
               </a:ext>
             </a:extLst>
           </p:cNvPr>
@@ -3409,7 +3494,7 @@
           <p:nvPr/>
         </p:nvPicPr>
         <p:blipFill>
-          <a:blip r:embed="rId2">
+          <a:blip r:embed="rId8">
             <a:extLst>
               <a:ext uri="{28A0092B-C50C-407E-A947-70E740481C1C}">
                 <a14:useLocalDpi xmlns:a14="http://schemas.microsoft.com/office/drawing/2010/main" val="0"/>
@@ -3443,8 +3528,8 @@
 </p:sld>
 </file>
 
-<file path=ppt/slides/slide3.xml><?xml version="1.0" encoding="utf-8"?>
-<p:sld xmlns:a="http://schemas.openxmlformats.org/drawingml/2006/main" xmlns:r="http://schemas.openxmlformats.org/officeDocument/2006/relationships" xmlns:p="http://schemas.openxmlformats.org/presentationml/2006/main">
+<file path=ppt/slides/slide4.xml><?xml version="1.0" encoding="utf-8"?>
+<p:sld xmlns:a="http://schemas.openxmlformats.org/drawingml/2006/main" xmlns:p="http://schemas.openxmlformats.org/presentationml/2006/main" xmlns:r="http://schemas.openxmlformats.org/officeDocument/2006/relationships">
   <p:cSld>
     <p:spTree>
       <p:nvGrpSpPr>
@@ -3462,10 +3547,10 @@
       </p:grpSpPr>
       <p:pic>
         <p:nvPicPr>
-          <p:cNvPr id="4" name="slide4" descr="Sales by years">
-            <a:extLst>
-              <a:ext uri="{FF2B5EF4-FFF2-40B4-BE49-F238E27FC236}">
-                <a16:creationId xmlns:a16="http://schemas.microsoft.com/office/drawing/2014/main" id="{377ACB2B-912B-409C-8643-D0DFAF4185E9}"/>
+          <p:cNvPr descr="Sales by years" id="4" name="slide4">
+            <a:extLst>
+              <a:ext uri="{FF2B5EF4-FFF2-40B4-BE49-F238E27FC236}">
+                <a16:creationId xmlns:a16="http://schemas.microsoft.com/office/drawing/2014/main" id="{5D49C522-3A78-4CFE-BA29-CB7CD7F1D3FD}"/>
               </a:ext>
             </a:extLst>
           </p:cNvPr>
@@ -3475,7 +3560,7 @@
           <p:nvPr/>
         </p:nvPicPr>
         <p:blipFill>
-          <a:blip r:embed="rId2">
+          <a:blip r:embed="rId9">
             <a:extLst>
               <a:ext uri="{28A0092B-C50C-407E-A947-70E740481C1C}">
                 <a14:useLocalDpi xmlns:a14="http://schemas.microsoft.com/office/drawing/2010/main" val="0"/>
@@ -3488,14 +3573,242 @@
         </p:blipFill>
         <p:spPr>
           <a:xfrm>
-            <a:off x="335732" y="0"/>
-            <a:ext cx="11520535" cy="6858000"/>
+            <a:off x="383512" y="0"/>
+            <a:ext cx="11424976" cy="6858000"/>
           </a:xfrm>
           <a:prstGeom prst="rect">
             <a:avLst/>
           </a:prstGeom>
         </p:spPr>
       </p:pic>
+    </p:spTree>
+    <p:extLst>
+      <p:ext uri="{BB962C8B-B14F-4D97-AF65-F5344CB8AC3E}">
+        <p14:creationId xmlns:p14="http://schemas.microsoft.com/office/powerpoint/2010/main" val="95992585"/>
+      </p:ext>
+    </p:extLst>
+  </p:cSld>
+  <p:clrMapOvr>
+    <a:masterClrMapping/>
+  </p:clrMapOvr>
+</p:sld>
+</file>
+
+<file path=ppt/slides/slide5.xml><?xml version="1.0" encoding="utf-8"?>
+<p:sld xmlns:a="http://schemas.openxmlformats.org/drawingml/2006/main" xmlns:p="http://schemas.openxmlformats.org/presentationml/2006/main" xmlns:r="http://schemas.openxmlformats.org/officeDocument/2006/relationships">
+  <p:cSld>
+    <p:spTree>
+      <p:nvGrpSpPr>
+        <p:cNvPr id="1" name=""/>
+        <p:cNvGrpSpPr/>
+        <p:nvPr/>
+      </p:nvGrpSpPr>
+      <p:grpSpPr>
+        <a:xfrm>
+          <a:off x="0" y="0"/>
+          <a:ext cx="0" cy="0"/>
+          <a:chOff x="0" y="0"/>
+          <a:chExt cx="0" cy="0"/>
+        </a:xfrm>
+      </p:grpSpPr>
+      <p:pic>
+        <p:nvPicPr>
+          <p:cNvPr descr="Sales by years_2" id="5" name="slide5">
+            <a:extLst>
+              <a:ext uri="{FF2B5EF4-FFF2-40B4-BE49-F238E27FC236}">
+                <a16:creationId xmlns:a16="http://schemas.microsoft.com/office/drawing/2014/main" id="{5E71D363-FFBE-44CE-B55F-03AD26A405A5}"/>
+              </a:ext>
+            </a:extLst>
+          </p:cNvPr>
+          <p:cNvPicPr>
+            <a:picLocks noChangeAspect="1"/>
+          </p:cNvPicPr>
+          <p:nvPr/>
+        </p:nvPicPr>
+        <p:blipFill>
+          <a:blip r:embed="rId10">
+            <a:extLst>
+              <a:ext uri="{28A0092B-C50C-407E-A947-70E740481C1C}">
+                <a14:useLocalDpi xmlns:a14="http://schemas.microsoft.com/office/drawing/2010/main" val="0"/>
+              </a:ext>
+            </a:extLst>
+          </a:blip>
+          <a:stretch>
+            <a:fillRect/>
+          </a:stretch>
+        </p:blipFill>
+        <p:spPr>
+          <a:xfrm>
+            <a:off x="329389" y="0"/>
+            <a:ext cx="11533222" cy="6858000"/>
+          </a:xfrm>
+          <a:prstGeom prst="rect">
+            <a:avLst/>
+          </a:prstGeom>
+        </p:spPr>
+      </p:pic>
+    </p:spTree>
+    <p:extLst>
+      <p:ext uri="{BB962C8B-B14F-4D97-AF65-F5344CB8AC3E}">
+        <p14:creationId xmlns:p14="http://schemas.microsoft.com/office/powerpoint/2010/main" val="95992585"/>
+      </p:ext>
+    </p:extLst>
+  </p:cSld>
+  <p:clrMapOvr>
+    <a:masterClrMapping/>
+  </p:clrMapOvr>
+</p:sld>
+</file>
+
+<file path=ppt/slides/slide6.xml><?xml version="1.0" encoding="utf-8"?>
+<p:sld xmlns:a="http://schemas.openxmlformats.org/drawingml/2006/main" xmlns:p="http://schemas.openxmlformats.org/presentationml/2006/main" xmlns:r="http://schemas.openxmlformats.org/officeDocument/2006/relationships">
+  <p:cSld>
+    <p:spTree>
+      <p:nvGrpSpPr>
+        <p:cNvPr id="1" name=""/>
+        <p:cNvGrpSpPr/>
+        <p:nvPr/>
+      </p:nvGrpSpPr>
+      <p:grpSpPr>
+        <a:xfrm>
+          <a:off x="0" y="0"/>
+          <a:ext cx="0" cy="0"/>
+          <a:chOff x="0" y="0"/>
+          <a:chExt cx="0" cy="0"/>
+        </a:xfrm>
+      </p:grpSpPr>
+      <p:pic>
+        <p:nvPicPr>
+          <p:cNvPr descr="Most repeating Genre" id="6" name="slide6">
+            <a:extLst>
+              <a:ext uri="{FF2B5EF4-FFF2-40B4-BE49-F238E27FC236}">
+                <a16:creationId xmlns:a16="http://schemas.microsoft.com/office/drawing/2014/main" id="{B19D9BAE-CEA2-4B63-B738-3B8C552F2350}"/>
+              </a:ext>
+            </a:extLst>
+          </p:cNvPr>
+          <p:cNvPicPr>
+            <a:picLocks noChangeAspect="1"/>
+          </p:cNvPicPr>
+          <p:nvPr/>
+        </p:nvPicPr>
+        <p:blipFill>
+          <a:blip r:embed="rId11">
+            <a:extLst>
+              <a:ext uri="{28A0092B-C50C-407E-A947-70E740481C1C}">
+                <a14:useLocalDpi xmlns:a14="http://schemas.microsoft.com/office/drawing/2010/main" val="0"/>
+              </a:ext>
+            </a:extLst>
+          </a:blip>
+          <a:stretch>
+            <a:fillRect/>
+          </a:stretch>
+        </p:blipFill>
+        <p:spPr>
+          <a:xfrm>
+            <a:off x="399861" y="0"/>
+            <a:ext cx="11392277" cy="6858000"/>
+          </a:xfrm>
+          <a:prstGeom prst="rect">
+            <a:avLst/>
+          </a:prstGeom>
+        </p:spPr>
+      </p:pic>
+    </p:spTree>
+    <p:extLst>
+      <p:ext uri="{BB962C8B-B14F-4D97-AF65-F5344CB8AC3E}">
+        <p14:creationId xmlns:p14="http://schemas.microsoft.com/office/powerpoint/2010/main" val="95992585"/>
+      </p:ext>
+    </p:extLst>
+  </p:cSld>
+  <p:clrMapOvr>
+    <a:masterClrMapping/>
+  </p:clrMapOvr>
+</p:sld>
+</file>
+
+<file path=ppt/slides/slide7.xml><?xml version="1.0" encoding="utf-8"?>
+<p:sld xmlns:a="http://schemas.openxmlformats.org/drawingml/2006/main" xmlns:p="http://schemas.openxmlformats.org/presentationml/2006/main" xmlns:r="http://schemas.openxmlformats.org/officeDocument/2006/relationships">
+  <p:cSld>
+    <p:spTree>
+      <p:nvGrpSpPr>
+        <p:cNvPr id="1" name=""/>
+        <p:cNvGrpSpPr/>
+        <p:nvPr/>
+      </p:nvGrpSpPr>
+      <p:grpSpPr>
+        <a:xfrm>
+          <a:off x="0" y="0"/>
+          <a:ext cx="0" cy="0"/>
+          <a:chOff x="0" y="0"/>
+          <a:chExt cx="0" cy="0"/>
+        </a:xfrm>
+      </p:grpSpPr>
+      <p:pic>
+        <p:nvPicPr>
+          <p:cNvPr descr="Most repeating Publisher" id="7" name="slide7">
+            <a:extLst>
+              <a:ext uri="{FF2B5EF4-FFF2-40B4-BE49-F238E27FC236}">
+                <a16:creationId xmlns:a16="http://schemas.microsoft.com/office/drawing/2014/main" id="{462FD9EF-B9A2-488A-BCEA-EED72E3D79A4}"/>
+              </a:ext>
+            </a:extLst>
+          </p:cNvPr>
+          <p:cNvPicPr>
+            <a:picLocks noChangeAspect="1"/>
+          </p:cNvPicPr>
+          <p:nvPr/>
+        </p:nvPicPr>
+        <p:blipFill>
+          <a:blip r:embed="rId12">
+            <a:extLst>
+              <a:ext uri="{28A0092B-C50C-407E-A947-70E740481C1C}">
+                <a14:useLocalDpi xmlns:a14="http://schemas.microsoft.com/office/drawing/2010/main" val="0"/>
+              </a:ext>
+            </a:extLst>
+          </a:blip>
+          <a:stretch>
+            <a:fillRect/>
+          </a:stretch>
+        </p:blipFill>
+        <p:spPr>
+          <a:xfrm>
+            <a:off x="0" y="14789"/>
+            <a:ext cx="12192000" cy="6828421"/>
+          </a:xfrm>
+          <a:prstGeom prst="rect">
+            <a:avLst/>
+          </a:prstGeom>
+        </p:spPr>
+      </p:pic>
+    </p:spTree>
+    <p:extLst>
+      <p:ext uri="{BB962C8B-B14F-4D97-AF65-F5344CB8AC3E}">
+        <p14:creationId xmlns:p14="http://schemas.microsoft.com/office/powerpoint/2010/main" val="95992585"/>
+      </p:ext>
+    </p:extLst>
+  </p:cSld>
+  <p:clrMapOvr>
+    <a:masterClrMapping/>
+  </p:clrMapOvr>
+</p:sld>
+</file>
+
+<file path=ppt/slides/slideTemplate.xml><?xml version="1.0" encoding="utf-8"?>
+<p:sld xmlns:a="http://schemas.openxmlformats.org/drawingml/2006/main" xmlns:r="http://schemas.openxmlformats.org/officeDocument/2006/relationships" xmlns:p="http://schemas.openxmlformats.org/presentationml/2006/main">
+  <p:cSld>
+    <p:spTree>
+      <p:nvGrpSpPr>
+        <p:cNvPr id="1" name=""/>
+        <p:cNvGrpSpPr/>
+        <p:nvPr/>
+      </p:nvGrpSpPr>
+      <p:grpSpPr>
+        <a:xfrm>
+          <a:off x="0" y="0"/>
+          <a:ext cx="0" cy="0"/>
+          <a:chOff x="0" y="0"/>
+          <a:chExt cx="0" cy="0"/>
+        </a:xfrm>
+      </p:grpSpPr>
     </p:spTree>
     <p:extLst>
       <p:ext uri="{BB962C8B-B14F-4D97-AF65-F5344CB8AC3E}">
